--- a/pics/Presentation1.pptx
+++ b/pics/Presentation1.pptx
@@ -2966,7 +2966,7 @@
       </p:grpSpPr>
       <p:grpSp>
         <p:nvGrpSpPr>
-          <p:cNvPr id="8" name="Group 7"/>
+          <p:cNvPr id="9" name="Group 8"/>
           <p:cNvGrpSpPr/>
           <p:nvPr/>
         </p:nvGrpSpPr>
@@ -2996,7 +2996,7 @@
               </a:avLst>
             </a:prstGeom>
             <a:solidFill>
-              <a:schemeClr val="bg1"/>
+              <a:schemeClr val="tx2"/>
             </a:solidFill>
             <a:ln>
               <a:solidFill>
@@ -3077,25 +3077,6 @@
             <a:ln>
               <a:noFill/>
             </a:ln>
-            <a:extLst>
-              <a:ext uri="{909E8E84-426E-40DD-AFC4-6F175D3DCCD1}">
-                <a14:hiddenFill xmlns:a14="http://schemas.microsoft.com/office/drawing/2010/main">
-                  <a:solidFill>
-                    <a:srgbClr val="FFFFFF"/>
-                  </a:solidFill>
-                </a14:hiddenFill>
-              </a:ext>
-              <a:ext uri="{91240B29-F687-4F45-9708-019B960494DF}">
-                <a14:hiddenLine xmlns:a14="http://schemas.microsoft.com/office/drawing/2010/main" w="9525">
-                  <a:solidFill>
-                    <a:srgbClr val="000000"/>
-                  </a:solidFill>
-                  <a:miter lim="800000"/>
-                  <a:headEnd/>
-                  <a:tailEnd/>
-                </a14:hiddenLine>
-              </a:ext>
-            </a:extLst>
           </p:spPr>
           <p:txBody>
             <a:bodyPr vert="horz" wrap="square" lIns="91440" tIns="45720" rIns="91440" bIns="45720" numCol="1" anchor="t" anchorCtr="0" compatLnSpc="1">
@@ -3350,6 +3331,538 @@
           </a:p>
         </p:txBody>
       </p:sp>
+      <p:grpSp>
+        <p:nvGrpSpPr>
+          <p:cNvPr id="10" name="Group 9"/>
+          <p:cNvGrpSpPr/>
+          <p:nvPr/>
+        </p:nvGrpSpPr>
+        <p:grpSpPr>
+          <a:xfrm>
+            <a:off x="184151" y="3974980"/>
+            <a:ext cx="2322829" cy="1698110"/>
+            <a:chOff x="3095053" y="2815382"/>
+            <a:chExt cx="3733764" cy="869950"/>
+          </a:xfrm>
+        </p:grpSpPr>
+        <p:sp>
+          <p:nvSpPr>
+            <p:cNvPr id="11" name="Rectangular Callout 10"/>
+            <p:cNvSpPr/>
+            <p:nvPr/>
+          </p:nvSpPr>
+          <p:spPr>
+            <a:xfrm>
+              <a:off x="3095053" y="2815382"/>
+              <a:ext cx="3622040" cy="869950"/>
+            </a:xfrm>
+            <a:prstGeom prst="wedgeRectCallout">
+              <a:avLst>
+                <a:gd name="adj1" fmla="val -54132"/>
+                <a:gd name="adj2" fmla="val -36323"/>
+              </a:avLst>
+            </a:prstGeom>
+            <a:solidFill>
+              <a:schemeClr val="tx2"/>
+            </a:solidFill>
+            <a:ln>
+              <a:solidFill>
+                <a:srgbClr val="46AFFF"/>
+              </a:solidFill>
+            </a:ln>
+          </p:spPr>
+          <p:style>
+            <a:lnRef idx="2">
+              <a:schemeClr val="accent1">
+                <a:shade val="50000"/>
+              </a:schemeClr>
+            </a:lnRef>
+            <a:fillRef idx="1">
+              <a:schemeClr val="accent1"/>
+            </a:fillRef>
+            <a:effectRef idx="0">
+              <a:schemeClr val="accent1"/>
+            </a:effectRef>
+            <a:fontRef idx="minor">
+              <a:schemeClr val="lt1"/>
+            </a:fontRef>
+          </p:style>
+          <p:txBody>
+            <a:bodyPr rot="0" spcFirstLastPara="0" vert="horz" wrap="square" lIns="91440" tIns="45720" rIns="91440" bIns="45720" numCol="1" spcCol="0" rtlCol="0" fromWordArt="0" anchor="ctr" anchorCtr="0" forceAA="0" compatLnSpc="1">
+              <a:prstTxWarp prst="textNoShape">
+                <a:avLst/>
+              </a:prstTxWarp>
+              <a:noAutofit/>
+            </a:bodyPr>
+            <a:lstStyle/>
+            <a:p>
+              <a:pPr marL="0" marR="0" algn="ctr">
+                <a:lnSpc>
+                  <a:spcPct val="107000"/>
+                </a:lnSpc>
+                <a:spcBef>
+                  <a:spcPts val="0"/>
+                </a:spcBef>
+                <a:spcAft>
+                  <a:spcPts val="800"/>
+                </a:spcAft>
+              </a:pPr>
+              <a:r>
+                <a:rPr lang="en-US" sz="1100">
+                  <a:noFill/>
+                  <a:effectLst/>
+                  <a:ea typeface="Calibri" panose="020F0502020204030204" pitchFamily="34" charset="0"/>
+                  <a:cs typeface="Times New Roman" panose="02020603050405020304" pitchFamily="18" charset="0"/>
+                </a:rPr>
+                <a:t> </a:t>
+              </a:r>
+              <a:endParaRPr lang="en-US" sz="1100">
+                <a:effectLst/>
+                <a:ea typeface="Calibri" panose="020F0502020204030204" pitchFamily="34" charset="0"/>
+                <a:cs typeface="Times New Roman" panose="02020603050405020304" pitchFamily="18" charset="0"/>
+              </a:endParaRPr>
+            </a:p>
+          </p:txBody>
+        </p:sp>
+        <p:sp>
+          <p:nvSpPr>
+            <p:cNvPr id="12" name="Text Box 5"/>
+            <p:cNvSpPr txBox="1">
+              <a:spLocks noChangeArrowheads="1"/>
+            </p:cNvSpPr>
+            <p:nvPr/>
+          </p:nvSpPr>
+          <p:spPr bwMode="auto">
+            <a:xfrm>
+              <a:off x="3095053" y="2815382"/>
+              <a:ext cx="3733764" cy="800100"/>
+            </a:xfrm>
+            <a:prstGeom prst="rect">
+              <a:avLst/>
+            </a:prstGeom>
+            <a:noFill/>
+            <a:ln>
+              <a:noFill/>
+            </a:ln>
+          </p:spPr>
+          <p:txBody>
+            <a:bodyPr vert="horz" wrap="square" lIns="91440" tIns="45720" rIns="91440" bIns="45720" numCol="1" anchor="t" anchorCtr="0" compatLnSpc="1">
+              <a:prstTxWarp prst="textNoShape">
+                <a:avLst/>
+              </a:prstTxWarp>
+            </a:bodyPr>
+            <a:lstStyle/>
+            <a:p>
+              <a:pPr marL="0" marR="0" lvl="0" indent="0" algn="l" defTabSz="914400" rtl="0" eaLnBrk="0" fontAlgn="base" latinLnBrk="0" hangingPunct="0">
+                <a:lnSpc>
+                  <a:spcPct val="100000"/>
+                </a:lnSpc>
+                <a:spcBef>
+                  <a:spcPct val="0"/>
+                </a:spcBef>
+                <a:spcAft>
+                  <a:spcPct val="0"/>
+                </a:spcAft>
+                <a:buClrTx/>
+                <a:buSzTx/>
+                <a:buFontTx/>
+                <a:buNone/>
+                <a:tabLst/>
+              </a:pPr>
+              <a:r>
+                <a:rPr kumimoji="0" lang="en-US" altLang="en-US" sz="2600" b="1" i="0" u="none" strike="noStrike" cap="none" normalizeH="0" baseline="0" dirty="0" smtClean="0">
+                  <a:ln>
+                    <a:noFill/>
+                  </a:ln>
+                  <a:solidFill>
+                    <a:srgbClr val="46AFFF"/>
+                  </a:solidFill>
+                  <a:effectLst/>
+                  <a:latin typeface="Eras Bold ITC" panose="020B0907030504020204" pitchFamily="34" charset="0"/>
+                  <a:ea typeface="Calibri" panose="020F0502020204030204" pitchFamily="34" charset="0"/>
+                  <a:cs typeface="Times New Roman" panose="02020603050405020304" pitchFamily="18" charset="0"/>
+                </a:rPr>
+                <a:t>MAKE</a:t>
+              </a:r>
+              <a:br>
+                <a:rPr kumimoji="0" lang="en-US" altLang="en-US" sz="2600" b="1" i="0" u="none" strike="noStrike" cap="none" normalizeH="0" baseline="0" dirty="0" smtClean="0">
+                  <a:ln>
+                    <a:noFill/>
+                  </a:ln>
+                  <a:solidFill>
+                    <a:srgbClr val="46AFFF"/>
+                  </a:solidFill>
+                  <a:effectLst/>
+                  <a:latin typeface="Eras Bold ITC" panose="020B0907030504020204" pitchFamily="34" charset="0"/>
+                  <a:ea typeface="Calibri" panose="020F0502020204030204" pitchFamily="34" charset="0"/>
+                  <a:cs typeface="Times New Roman" panose="02020603050405020304" pitchFamily="18" charset="0"/>
+                </a:rPr>
+              </a:br>
+              <a:r>
+                <a:rPr kumimoji="0" lang="en-US" altLang="en-US" sz="2600" b="1" i="0" u="none" strike="noStrike" cap="none" normalizeH="0" baseline="0" dirty="0" smtClean="0">
+                  <a:ln>
+                    <a:noFill/>
+                  </a:ln>
+                  <a:solidFill>
+                    <a:srgbClr val="FF4646"/>
+                  </a:solidFill>
+                  <a:effectLst/>
+                  <a:latin typeface="Eras Bold ITC" panose="020B0907030504020204" pitchFamily="34" charset="0"/>
+                  <a:ea typeface="Calibri" panose="020F0502020204030204" pitchFamily="34" charset="0"/>
+                  <a:cs typeface="Times New Roman" panose="02020603050405020304" pitchFamily="18" charset="0"/>
+                </a:rPr>
+                <a:t>WEATHER</a:t>
+              </a:r>
+              <a:br>
+                <a:rPr kumimoji="0" lang="en-US" altLang="en-US" sz="2600" b="1" i="0" u="none" strike="noStrike" cap="none" normalizeH="0" baseline="0" dirty="0" smtClean="0">
+                  <a:ln>
+                    <a:noFill/>
+                  </a:ln>
+                  <a:solidFill>
+                    <a:srgbClr val="FF4646"/>
+                  </a:solidFill>
+                  <a:effectLst/>
+                  <a:latin typeface="Eras Bold ITC" panose="020B0907030504020204" pitchFamily="34" charset="0"/>
+                  <a:ea typeface="Calibri" panose="020F0502020204030204" pitchFamily="34" charset="0"/>
+                  <a:cs typeface="Times New Roman" panose="02020603050405020304" pitchFamily="18" charset="0"/>
+                </a:rPr>
+              </a:br>
+              <a:r>
+                <a:rPr lang="en-US" altLang="en-US" sz="2600" b="1" dirty="0" smtClean="0">
+                  <a:solidFill>
+                    <a:srgbClr val="46AFFF"/>
+                  </a:solidFill>
+                  <a:latin typeface="Eras Bold ITC" panose="020B0907030504020204" pitchFamily="34" charset="0"/>
+                  <a:ea typeface="Calibri" panose="020F0502020204030204" pitchFamily="34" charset="0"/>
+                  <a:cs typeface="Times New Roman" panose="02020603050405020304" pitchFamily="18" charset="0"/>
+                </a:rPr>
+                <a:t>GREAT</a:t>
+              </a:r>
+              <a:r>
+                <a:rPr kumimoji="0" lang="en-US" altLang="en-US" sz="2600" b="1" i="0" u="none" strike="noStrike" cap="none" normalizeH="0" baseline="0" dirty="0" smtClean="0">
+                  <a:ln>
+                    <a:noFill/>
+                  </a:ln>
+                  <a:solidFill>
+                    <a:srgbClr val="FF4646"/>
+                  </a:solidFill>
+                  <a:effectLst/>
+                  <a:latin typeface="Eras Bold ITC" panose="020B0907030504020204" pitchFamily="34" charset="0"/>
+                  <a:ea typeface="Calibri" panose="020F0502020204030204" pitchFamily="34" charset="0"/>
+                  <a:cs typeface="Times New Roman" panose="02020603050405020304" pitchFamily="18" charset="0"/>
+                </a:rPr>
+                <a:t/>
+              </a:r>
+              <a:br>
+                <a:rPr kumimoji="0" lang="en-US" altLang="en-US" sz="2600" b="1" i="0" u="none" strike="noStrike" cap="none" normalizeH="0" baseline="0" dirty="0" smtClean="0">
+                  <a:ln>
+                    <a:noFill/>
+                  </a:ln>
+                  <a:solidFill>
+                    <a:srgbClr val="FF4646"/>
+                  </a:solidFill>
+                  <a:effectLst/>
+                  <a:latin typeface="Eras Bold ITC" panose="020B0907030504020204" pitchFamily="34" charset="0"/>
+                  <a:ea typeface="Calibri" panose="020F0502020204030204" pitchFamily="34" charset="0"/>
+                  <a:cs typeface="Times New Roman" panose="02020603050405020304" pitchFamily="18" charset="0"/>
+                </a:rPr>
+              </a:br>
+              <a:r>
+                <a:rPr lang="en-US" altLang="en-US" sz="2600" b="1" dirty="0" smtClean="0">
+                  <a:solidFill>
+                    <a:srgbClr val="FF4646"/>
+                  </a:solidFill>
+                  <a:latin typeface="Eras Bold ITC" panose="020B0907030504020204" pitchFamily="34" charset="0"/>
+                  <a:ea typeface="Calibri" panose="020F0502020204030204" pitchFamily="34" charset="0"/>
+                  <a:cs typeface="Times New Roman" panose="02020603050405020304" pitchFamily="18" charset="0"/>
+                </a:rPr>
+                <a:t>AGAIN</a:t>
+              </a:r>
+              <a:r>
+                <a:rPr lang="en-US" altLang="en-US" sz="2600" b="1" dirty="0" smtClean="0">
+                  <a:solidFill>
+                    <a:srgbClr val="46AFFF"/>
+                  </a:solidFill>
+                  <a:latin typeface="Eras Bold ITC" panose="020B0907030504020204" pitchFamily="34" charset="0"/>
+                  <a:ea typeface="Calibri" panose="020F0502020204030204" pitchFamily="34" charset="0"/>
+                  <a:cs typeface="Times New Roman" panose="02020603050405020304" pitchFamily="18" charset="0"/>
+                </a:rPr>
+                <a:t>.COM</a:t>
+              </a:r>
+              <a:endParaRPr lang="en-US" altLang="en-US" sz="2600" b="1" dirty="0">
+                <a:solidFill>
+                  <a:srgbClr val="46AFFF"/>
+                </a:solidFill>
+                <a:latin typeface="Eras Bold ITC" panose="020B0907030504020204" pitchFamily="34" charset="0"/>
+                <a:ea typeface="Calibri" panose="020F0502020204030204" pitchFamily="34" charset="0"/>
+                <a:cs typeface="Times New Roman" panose="02020603050405020304" pitchFamily="18" charset="0"/>
+              </a:endParaRPr>
+            </a:p>
+          </p:txBody>
+        </p:sp>
+      </p:grpSp>
+      <p:grpSp>
+        <p:nvGrpSpPr>
+          <p:cNvPr id="13" name="Group 12"/>
+          <p:cNvGrpSpPr/>
+          <p:nvPr/>
+        </p:nvGrpSpPr>
+        <p:grpSpPr>
+          <a:xfrm>
+            <a:off x="3430271" y="4074040"/>
+            <a:ext cx="2040889" cy="1671440"/>
+            <a:chOff x="3095053" y="2815382"/>
+            <a:chExt cx="3733764" cy="869950"/>
+          </a:xfrm>
+        </p:grpSpPr>
+        <p:sp>
+          <p:nvSpPr>
+            <p:cNvPr id="14" name="Rectangular Callout 13"/>
+            <p:cNvSpPr/>
+            <p:nvPr/>
+          </p:nvSpPr>
+          <p:spPr>
+            <a:xfrm>
+              <a:off x="3095053" y="2815382"/>
+              <a:ext cx="3622040" cy="869950"/>
+            </a:xfrm>
+            <a:prstGeom prst="wedgeRectCallout">
+              <a:avLst>
+                <a:gd name="adj1" fmla="val -60867"/>
+                <a:gd name="adj2" fmla="val 6759"/>
+              </a:avLst>
+            </a:prstGeom>
+            <a:solidFill>
+              <a:schemeClr val="tx2"/>
+            </a:solidFill>
+            <a:ln>
+              <a:solidFill>
+                <a:srgbClr val="46AFFF"/>
+              </a:solidFill>
+            </a:ln>
+          </p:spPr>
+          <p:style>
+            <a:lnRef idx="2">
+              <a:schemeClr val="accent1">
+                <a:shade val="50000"/>
+              </a:schemeClr>
+            </a:lnRef>
+            <a:fillRef idx="1">
+              <a:schemeClr val="accent1"/>
+            </a:fillRef>
+            <a:effectRef idx="0">
+              <a:schemeClr val="accent1"/>
+            </a:effectRef>
+            <a:fontRef idx="minor">
+              <a:schemeClr val="lt1"/>
+            </a:fontRef>
+          </p:style>
+          <p:txBody>
+            <a:bodyPr rot="0" spcFirstLastPara="0" vert="horz" wrap="square" lIns="91440" tIns="45720" rIns="91440" bIns="45720" numCol="1" spcCol="0" rtlCol="0" fromWordArt="0" anchor="ctr" anchorCtr="0" forceAA="0" compatLnSpc="1">
+              <a:prstTxWarp prst="textNoShape">
+                <a:avLst/>
+              </a:prstTxWarp>
+              <a:noAutofit/>
+            </a:bodyPr>
+            <a:lstStyle/>
+            <a:p>
+              <a:pPr marL="0" marR="0" algn="ctr">
+                <a:lnSpc>
+                  <a:spcPct val="107000"/>
+                </a:lnSpc>
+                <a:spcBef>
+                  <a:spcPts val="0"/>
+                </a:spcBef>
+                <a:spcAft>
+                  <a:spcPts val="800"/>
+                </a:spcAft>
+              </a:pPr>
+              <a:r>
+                <a:rPr lang="en-US" sz="1100">
+                  <a:noFill/>
+                  <a:effectLst/>
+                  <a:ea typeface="Calibri" panose="020F0502020204030204" pitchFamily="34" charset="0"/>
+                  <a:cs typeface="Times New Roman" panose="02020603050405020304" pitchFamily="18" charset="0"/>
+                </a:rPr>
+                <a:t> </a:t>
+              </a:r>
+              <a:endParaRPr lang="en-US" sz="1100">
+                <a:effectLst/>
+                <a:ea typeface="Calibri" panose="020F0502020204030204" pitchFamily="34" charset="0"/>
+                <a:cs typeface="Times New Roman" panose="02020603050405020304" pitchFamily="18" charset="0"/>
+              </a:endParaRPr>
+            </a:p>
+          </p:txBody>
+        </p:sp>
+        <p:sp>
+          <p:nvSpPr>
+            <p:cNvPr id="15" name="Text Box 5"/>
+            <p:cNvSpPr txBox="1">
+              <a:spLocks noChangeArrowheads="1"/>
+            </p:cNvSpPr>
+            <p:nvPr/>
+          </p:nvSpPr>
+          <p:spPr bwMode="auto">
+            <a:xfrm>
+              <a:off x="3095053" y="2815382"/>
+              <a:ext cx="3733764" cy="800100"/>
+            </a:xfrm>
+            <a:prstGeom prst="rect">
+              <a:avLst/>
+            </a:prstGeom>
+            <a:noFill/>
+            <a:ln>
+              <a:noFill/>
+            </a:ln>
+          </p:spPr>
+          <p:txBody>
+            <a:bodyPr vert="horz" wrap="square" lIns="91440" tIns="45720" rIns="91440" bIns="45720" numCol="1" anchor="t" anchorCtr="0" compatLnSpc="1">
+              <a:prstTxWarp prst="textNoShape">
+                <a:avLst/>
+              </a:prstTxWarp>
+            </a:bodyPr>
+            <a:lstStyle/>
+            <a:p>
+              <a:pPr marL="0" marR="0" lvl="0" indent="0" algn="l" defTabSz="914400" rtl="0" eaLnBrk="0" fontAlgn="base" latinLnBrk="0" hangingPunct="0">
+                <a:lnSpc>
+                  <a:spcPct val="100000"/>
+                </a:lnSpc>
+                <a:spcBef>
+                  <a:spcPct val="0"/>
+                </a:spcBef>
+                <a:spcAft>
+                  <a:spcPct val="0"/>
+                </a:spcAft>
+                <a:buClrTx/>
+                <a:buSzTx/>
+                <a:buFontTx/>
+                <a:buNone/>
+                <a:tabLst/>
+              </a:pPr>
+              <a:r>
+                <a:rPr kumimoji="0" lang="en-US" altLang="en-US" sz="2600" b="1" i="0" u="none" strike="noStrike" cap="none" normalizeH="0" baseline="0" dirty="0" smtClean="0">
+                  <a:ln>
+                    <a:noFill/>
+                  </a:ln>
+                  <a:solidFill>
+                    <a:srgbClr val="46AFFF"/>
+                  </a:solidFill>
+                  <a:effectLst/>
+                  <a:latin typeface="Eras Bold ITC" panose="020B0907030504020204" pitchFamily="34" charset="0"/>
+                  <a:ea typeface="Calibri" panose="020F0502020204030204" pitchFamily="34" charset="0"/>
+                  <a:cs typeface="Times New Roman" panose="02020603050405020304" pitchFamily="18" charset="0"/>
+                </a:rPr>
+                <a:t>MAKE</a:t>
+              </a:r>
+              <a:br>
+                <a:rPr kumimoji="0" lang="en-US" altLang="en-US" sz="2600" b="1" i="0" u="none" strike="noStrike" cap="none" normalizeH="0" baseline="0" dirty="0" smtClean="0">
+                  <a:ln>
+                    <a:noFill/>
+                  </a:ln>
+                  <a:solidFill>
+                    <a:srgbClr val="46AFFF"/>
+                  </a:solidFill>
+                  <a:effectLst/>
+                  <a:latin typeface="Eras Bold ITC" panose="020B0907030504020204" pitchFamily="34" charset="0"/>
+                  <a:ea typeface="Calibri" panose="020F0502020204030204" pitchFamily="34" charset="0"/>
+                  <a:cs typeface="Times New Roman" panose="02020603050405020304" pitchFamily="18" charset="0"/>
+                </a:rPr>
+              </a:br>
+              <a:r>
+                <a:rPr kumimoji="0" lang="en-US" altLang="en-US" sz="2600" b="1" i="0" u="none" strike="noStrike" cap="none" normalizeH="0" baseline="0" dirty="0" smtClean="0">
+                  <a:ln>
+                    <a:noFill/>
+                  </a:ln>
+                  <a:solidFill>
+                    <a:srgbClr val="FF4646"/>
+                  </a:solidFill>
+                  <a:effectLst/>
+                  <a:latin typeface="Eras Bold ITC" panose="020B0907030504020204" pitchFamily="34" charset="0"/>
+                  <a:ea typeface="Calibri" panose="020F0502020204030204" pitchFamily="34" charset="0"/>
+                  <a:cs typeface="Times New Roman" panose="02020603050405020304" pitchFamily="18" charset="0"/>
+                </a:rPr>
+                <a:t>WEATHER</a:t>
+              </a:r>
+              <a:br>
+                <a:rPr kumimoji="0" lang="en-US" altLang="en-US" sz="2600" b="1" i="0" u="none" strike="noStrike" cap="none" normalizeH="0" baseline="0" dirty="0" smtClean="0">
+                  <a:ln>
+                    <a:noFill/>
+                  </a:ln>
+                  <a:solidFill>
+                    <a:srgbClr val="FF4646"/>
+                  </a:solidFill>
+                  <a:effectLst/>
+                  <a:latin typeface="Eras Bold ITC" panose="020B0907030504020204" pitchFamily="34" charset="0"/>
+                  <a:ea typeface="Calibri" panose="020F0502020204030204" pitchFamily="34" charset="0"/>
+                  <a:cs typeface="Times New Roman" panose="02020603050405020304" pitchFamily="18" charset="0"/>
+                </a:rPr>
+              </a:br>
+              <a:r>
+                <a:rPr lang="en-US" altLang="en-US" sz="2600" b="1" dirty="0" smtClean="0">
+                  <a:solidFill>
+                    <a:srgbClr val="46AFFF"/>
+                  </a:solidFill>
+                  <a:latin typeface="Eras Bold ITC" panose="020B0907030504020204" pitchFamily="34" charset="0"/>
+                  <a:ea typeface="Calibri" panose="020F0502020204030204" pitchFamily="34" charset="0"/>
+                  <a:cs typeface="Times New Roman" panose="02020603050405020304" pitchFamily="18" charset="0"/>
+                </a:rPr>
+                <a:t>GREAT</a:t>
+              </a:r>
+              <a:r>
+                <a:rPr kumimoji="0" lang="en-US" altLang="en-US" sz="2600" b="1" i="0" u="none" strike="noStrike" cap="none" normalizeH="0" baseline="0" dirty="0" smtClean="0">
+                  <a:ln>
+                    <a:noFill/>
+                  </a:ln>
+                  <a:solidFill>
+                    <a:srgbClr val="FF4646"/>
+                  </a:solidFill>
+                  <a:effectLst/>
+                  <a:latin typeface="Eras Bold ITC" panose="020B0907030504020204" pitchFamily="34" charset="0"/>
+                  <a:ea typeface="Calibri" panose="020F0502020204030204" pitchFamily="34" charset="0"/>
+                  <a:cs typeface="Times New Roman" panose="02020603050405020304" pitchFamily="18" charset="0"/>
+                </a:rPr>
+                <a:t/>
+              </a:r>
+              <a:br>
+                <a:rPr kumimoji="0" lang="en-US" altLang="en-US" sz="2600" b="1" i="0" u="none" strike="noStrike" cap="none" normalizeH="0" baseline="0" dirty="0" smtClean="0">
+                  <a:ln>
+                    <a:noFill/>
+                  </a:ln>
+                  <a:solidFill>
+                    <a:srgbClr val="FF4646"/>
+                  </a:solidFill>
+                  <a:effectLst/>
+                  <a:latin typeface="Eras Bold ITC" panose="020B0907030504020204" pitchFamily="34" charset="0"/>
+                  <a:ea typeface="Calibri" panose="020F0502020204030204" pitchFamily="34" charset="0"/>
+                  <a:cs typeface="Times New Roman" panose="02020603050405020304" pitchFamily="18" charset="0"/>
+                </a:rPr>
+              </a:br>
+              <a:r>
+                <a:rPr lang="en-US" altLang="en-US" sz="2600" b="1" dirty="0" smtClean="0">
+                  <a:solidFill>
+                    <a:srgbClr val="FF4646"/>
+                  </a:solidFill>
+                  <a:latin typeface="Eras Bold ITC" panose="020B0907030504020204" pitchFamily="34" charset="0"/>
+                  <a:ea typeface="Calibri" panose="020F0502020204030204" pitchFamily="34" charset="0"/>
+                  <a:cs typeface="Times New Roman" panose="02020603050405020304" pitchFamily="18" charset="0"/>
+                </a:rPr>
+                <a:t>AGAIN</a:t>
+              </a:r>
+              <a:r>
+                <a:rPr lang="en-US" altLang="en-US" sz="2600" b="1" dirty="0" smtClean="0">
+                  <a:solidFill>
+                    <a:srgbClr val="46AFFF"/>
+                  </a:solidFill>
+                  <a:latin typeface="Eras Bold ITC" panose="020B0907030504020204" pitchFamily="34" charset="0"/>
+                  <a:ea typeface="Calibri" panose="020F0502020204030204" pitchFamily="34" charset="0"/>
+                  <a:cs typeface="Times New Roman" panose="02020603050405020304" pitchFamily="18" charset="0"/>
+                </a:rPr>
+                <a:t>!!!</a:t>
+              </a:r>
+            </a:p>
+          </p:txBody>
+        </p:sp>
+      </p:grpSp>
     </p:spTree>
     <p:extLst>
       <p:ext uri="{BB962C8B-B14F-4D97-AF65-F5344CB8AC3E}">
